--- a/scala_2x.pptx
+++ b/scala_2x.pptx
@@ -24,7 +24,11 @@
     <p:sldId id="272" r:id="rId18"/>
     <p:sldId id="274" r:id="rId19"/>
     <p:sldId id="273" r:id="rId20"/>
-    <p:sldId id="275" r:id="rId21"/>
+    <p:sldId id="277" r:id="rId21"/>
+    <p:sldId id="278" r:id="rId22"/>
+    <p:sldId id="279" r:id="rId23"/>
+    <p:sldId id="280" r:id="rId24"/>
+    <p:sldId id="276" r:id="rId25"/>
   </p:sldIdLst>
   <p:sldSz cx="12192000" cy="6858000"/>
   <p:notesSz cx="6858000" cy="9144000"/>
@@ -123,6 +127,11 @@
       </a:defRPr>
     </a:lvl9pPr>
   </p:defaultTextStyle>
+  <p:extLst>
+    <p:ext uri="{EFAFB233-063F-42B5-8137-9DF3F51BA10A}">
+      <p15:sldGuideLst xmlns:p15="http://schemas.microsoft.com/office/powerpoint/2012/main"/>
+    </p:ext>
+  </p:extLst>
 </p:presentation>
 </file>
 
@@ -354,7 +363,7 @@
           <a:p>
             <a:fld id="{E6D5F55D-6D5D-4C8C-8496-ACBC405CD851}" type="datetimeFigureOut">
               <a:rPr lang="en-GB" smtClean="0"/>
-              <a:t>16/11/2024</a:t>
+              <a:t>18/11/2024</a:t>
             </a:fld>
             <a:endParaRPr lang="en-GB"/>
           </a:p>
@@ -562,7 +571,7 @@
           <a:p>
             <a:fld id="{E6D5F55D-6D5D-4C8C-8496-ACBC405CD851}" type="datetimeFigureOut">
               <a:rPr lang="en-GB" smtClean="0"/>
-              <a:t>16/11/2024</a:t>
+              <a:t>18/11/2024</a:t>
             </a:fld>
             <a:endParaRPr lang="en-GB"/>
           </a:p>
@@ -820,7 +829,7 @@
           <a:p>
             <a:fld id="{E6D5F55D-6D5D-4C8C-8496-ACBC405CD851}" type="datetimeFigureOut">
               <a:rPr lang="en-GB" smtClean="0"/>
-              <a:t>16/11/2024</a:t>
+              <a:t>18/11/2024</a:t>
             </a:fld>
             <a:endParaRPr lang="en-GB"/>
           </a:p>
@@ -990,7 +999,7 @@
           <a:p>
             <a:fld id="{E6D5F55D-6D5D-4C8C-8496-ACBC405CD851}" type="datetimeFigureOut">
               <a:rPr lang="en-GB" smtClean="0"/>
-              <a:t>16/11/2024</a:t>
+              <a:t>18/11/2024</a:t>
             </a:fld>
             <a:endParaRPr lang="en-GB"/>
           </a:p>
@@ -1327,7 +1336,7 @@
           <a:p>
             <a:fld id="{E6D5F55D-6D5D-4C8C-8496-ACBC405CD851}" type="datetimeFigureOut">
               <a:rPr lang="en-GB" smtClean="0"/>
-              <a:t>16/11/2024</a:t>
+              <a:t>18/11/2024</a:t>
             </a:fld>
             <a:endParaRPr lang="en-GB"/>
           </a:p>
@@ -1602,7 +1611,7 @@
           <a:p>
             <a:fld id="{E6D5F55D-6D5D-4C8C-8496-ACBC405CD851}" type="datetimeFigureOut">
               <a:rPr lang="en-GB" smtClean="0"/>
-              <a:t>16/11/2024</a:t>
+              <a:t>18/11/2024</a:t>
             </a:fld>
             <a:endParaRPr lang="en-GB"/>
           </a:p>
@@ -1981,7 +1990,7 @@
           <a:p>
             <a:fld id="{E6D5F55D-6D5D-4C8C-8496-ACBC405CD851}" type="datetimeFigureOut">
               <a:rPr lang="en-GB" smtClean="0"/>
-              <a:t>16/11/2024</a:t>
+              <a:t>18/11/2024</a:t>
             </a:fld>
             <a:endParaRPr lang="en-GB"/>
           </a:p>
@@ -2099,7 +2108,7 @@
           <a:p>
             <a:fld id="{E6D5F55D-6D5D-4C8C-8496-ACBC405CD851}" type="datetimeFigureOut">
               <a:rPr lang="en-GB" smtClean="0"/>
-              <a:t>16/11/2024</a:t>
+              <a:t>18/11/2024</a:t>
             </a:fld>
             <a:endParaRPr lang="en-GB"/>
           </a:p>
@@ -2272,7 +2281,7 @@
           <a:p>
             <a:fld id="{E6D5F55D-6D5D-4C8C-8496-ACBC405CD851}" type="datetimeFigureOut">
               <a:rPr lang="en-GB" smtClean="0"/>
-              <a:t>16/11/2024</a:t>
+              <a:t>18/11/2024</a:t>
             </a:fld>
             <a:endParaRPr lang="en-GB"/>
           </a:p>
@@ -2628,7 +2637,7 @@
           <a:p>
             <a:fld id="{E6D5F55D-6D5D-4C8C-8496-ACBC405CD851}" type="datetimeFigureOut">
               <a:rPr lang="en-GB" smtClean="0"/>
-              <a:t>16/11/2024</a:t>
+              <a:t>18/11/2024</a:t>
             </a:fld>
             <a:endParaRPr lang="en-GB"/>
           </a:p>
@@ -3007,7 +3016,7 @@
           <a:p>
             <a:fld id="{E6D5F55D-6D5D-4C8C-8496-ACBC405CD851}" type="datetimeFigureOut">
               <a:rPr lang="en-GB" smtClean="0"/>
-              <a:t>16/11/2024</a:t>
+              <a:t>18/11/2024</a:t>
             </a:fld>
             <a:endParaRPr lang="en-GB"/>
           </a:p>
@@ -3296,7 +3305,7 @@
           <a:p>
             <a:fld id="{E6D5F55D-6D5D-4C8C-8496-ACBC405CD851}" type="datetimeFigureOut">
               <a:rPr lang="en-GB" smtClean="0"/>
-              <a:t>16/11/2024</a:t>
+              <a:t>18/11/2024</a:t>
             </a:fld>
             <a:endParaRPr lang="en-GB"/>
           </a:p>
@@ -5232,6 +5241,57 @@
               <a:t>5. Read the official documentation and start small projects.</a:t>
             </a:r>
           </a:p>
+          <a:p>
+            <a:endParaRPr lang="pt-BR" dirty="0"/>
+          </a:p>
+          <a:p>
+            <a:r>
+              <a:rPr lang="pt-BR" dirty="0"/>
+              <a:t>O</a:t>
+            </a:r>
+            <a:r>
+              <a:rPr lang="en-GB" dirty="0"/>
+              <a:t>R (for some simple tests)</a:t>
+            </a:r>
+          </a:p>
+          <a:p>
+            <a:endParaRPr lang="pt-BR" dirty="0"/>
+          </a:p>
+          <a:p>
+            <a:r>
+              <a:rPr lang="pt-BR" dirty="0"/>
+              <a:t>1. S</a:t>
+            </a:r>
+            <a:r>
+              <a:rPr lang="en-GB" dirty="0" err="1"/>
+              <a:t>cala</a:t>
+            </a:r>
+            <a:r>
+              <a:rPr lang="en-GB" dirty="0"/>
+              <a:t> playground: </a:t>
+            </a:r>
+            <a:r>
+              <a:rPr lang="en-GB" dirty="0" err="1"/>
+              <a:t>Scaltie</a:t>
+            </a:r>
+            <a:r>
+              <a:rPr lang="en-GB" dirty="0"/>
+              <a:t> (</a:t>
+            </a:r>
+            <a:r>
+              <a:rPr lang="en-GB" dirty="0">
+                <a:hlinkClick r:id="rId4"/>
+              </a:rPr>
+              <a:t>https://scastie.scala-lang.org/</a:t>
+            </a:r>
+            <a:r>
+              <a:rPr lang="en-GB" dirty="0"/>
+              <a:t>)</a:t>
+            </a:r>
+          </a:p>
+          <a:p>
+            <a:endParaRPr lang="en-GB" dirty="0"/>
+          </a:p>
         </p:txBody>
       </p:sp>
     </p:spTree>
@@ -5488,6 +5548,877 @@
           <p:cNvPr id="2" name="Título 1">
             <a:extLst>
               <a:ext uri="{FF2B5EF4-FFF2-40B4-BE49-F238E27FC236}">
+                <a16:creationId xmlns:a16="http://schemas.microsoft.com/office/drawing/2014/main" id="{F3A42822-2945-4B96-AEA8-37C6122E6879}"/>
+              </a:ext>
+            </a:extLst>
+          </p:cNvPr>
+          <p:cNvSpPr>
+            <a:spLocks noGrp="1"/>
+          </p:cNvSpPr>
+          <p:nvPr>
+            <p:ph type="title"/>
+          </p:nvPr>
+        </p:nvSpPr>
+        <p:spPr/>
+        <p:txBody>
+          <a:bodyPr/>
+          <a:lstStyle/>
+          <a:p>
+            <a:r>
+              <a:rPr lang="en-GB" b="1" dirty="0"/>
+              <a:t>Exercise: Variables and Data Types</a:t>
+            </a:r>
+          </a:p>
+        </p:txBody>
+      </p:sp>
+      <p:sp>
+        <p:nvSpPr>
+          <p:cNvPr id="3" name="Espaço Reservado para Conteúdo 2">
+            <a:extLst>
+              <a:ext uri="{FF2B5EF4-FFF2-40B4-BE49-F238E27FC236}">
+                <a16:creationId xmlns:a16="http://schemas.microsoft.com/office/drawing/2014/main" id="{047FEFAB-8844-4F14-A86B-365076106092}"/>
+              </a:ext>
+            </a:extLst>
+          </p:cNvPr>
+          <p:cNvSpPr>
+            <a:spLocks noGrp="1"/>
+          </p:cNvSpPr>
+          <p:nvPr>
+            <p:ph idx="1"/>
+          </p:nvPr>
+        </p:nvSpPr>
+        <p:spPr/>
+        <p:txBody>
+          <a:bodyPr/>
+          <a:lstStyle/>
+          <a:p>
+            <a:r>
+              <a:rPr lang="en-GB" dirty="0"/>
+              <a:t>Define variables:</a:t>
+            </a:r>
+          </a:p>
+          <a:p>
+            <a:pPr lvl="1"/>
+            <a:r>
+              <a:rPr lang="pt-BR" dirty="0"/>
+              <a:t>O</a:t>
+            </a:r>
+            <a:r>
+              <a:rPr lang="en-GB" dirty="0"/>
+              <a:t>ne immutable </a:t>
+            </a:r>
+            <a:r>
+              <a:rPr lang="pt-BR" dirty="0"/>
+              <a:t>(</a:t>
+            </a:r>
+            <a:r>
+              <a:rPr lang="pt-BR" dirty="0" err="1"/>
+              <a:t>val</a:t>
+            </a:r>
+            <a:r>
+              <a:rPr lang="pt-BR" dirty="0"/>
+              <a:t>) as a </a:t>
+            </a:r>
+            <a:r>
+              <a:rPr lang="pt-BR" dirty="0" err="1"/>
+              <a:t>String</a:t>
+            </a:r>
+            <a:r>
+              <a:rPr lang="pt-BR" dirty="0"/>
+              <a:t> </a:t>
+            </a:r>
+            <a:r>
+              <a:rPr lang="pt-BR" dirty="0" err="1"/>
+              <a:t>Type</a:t>
+            </a:r>
+            <a:r>
+              <a:rPr lang="pt-BR" dirty="0"/>
+              <a:t> </a:t>
+            </a:r>
+            <a:r>
+              <a:rPr lang="pt-BR" dirty="0" err="1"/>
+              <a:t>with</a:t>
+            </a:r>
+            <a:r>
+              <a:rPr lang="pt-BR" dirty="0"/>
+              <a:t> </a:t>
+            </a:r>
+            <a:r>
+              <a:rPr lang="pt-BR" dirty="0" err="1"/>
+              <a:t>your</a:t>
+            </a:r>
+            <a:r>
+              <a:rPr lang="pt-BR" dirty="0"/>
+              <a:t> </a:t>
+            </a:r>
+            <a:r>
+              <a:rPr lang="pt-BR" dirty="0" err="1"/>
+              <a:t>name</a:t>
+            </a:r>
+            <a:endParaRPr lang="en-GB" dirty="0"/>
+          </a:p>
+          <a:p>
+            <a:pPr lvl="1"/>
+            <a:r>
+              <a:rPr lang="en-GB" dirty="0"/>
+              <a:t>One immutable (</a:t>
+            </a:r>
+            <a:r>
+              <a:rPr lang="en-GB" dirty="0" err="1"/>
+              <a:t>val</a:t>
+            </a:r>
+            <a:r>
+              <a:rPr lang="en-GB" dirty="0"/>
+              <a:t>) as a </a:t>
+            </a:r>
+            <a:r>
+              <a:rPr lang="pt-BR" dirty="0" err="1"/>
+              <a:t>Integer</a:t>
+            </a:r>
+            <a:r>
+              <a:rPr lang="pt-BR" dirty="0"/>
+              <a:t> </a:t>
+            </a:r>
+            <a:r>
+              <a:rPr lang="pt-BR" dirty="0" err="1"/>
+              <a:t>Type</a:t>
+            </a:r>
+            <a:r>
+              <a:rPr lang="pt-BR" dirty="0"/>
+              <a:t> </a:t>
+            </a:r>
+            <a:r>
+              <a:rPr lang="en-GB" dirty="0"/>
+              <a:t>with your age.</a:t>
+            </a:r>
+          </a:p>
+          <a:p>
+            <a:pPr lvl="1"/>
+            <a:r>
+              <a:rPr lang="en-GB" dirty="0"/>
+              <a:t>One mutable (var) with your </a:t>
+            </a:r>
+            <a:r>
+              <a:rPr lang="en-GB" dirty="0" err="1"/>
+              <a:t>favorite</a:t>
+            </a:r>
+            <a:r>
+              <a:rPr lang="en-GB" dirty="0"/>
+              <a:t> number.</a:t>
+            </a:r>
+          </a:p>
+          <a:p>
+            <a:r>
+              <a:rPr lang="en-GB" dirty="0"/>
+              <a:t>Modify the mutable variable and print the values.</a:t>
+            </a:r>
+          </a:p>
+        </p:txBody>
+      </p:sp>
+      <p:pic>
+        <p:nvPicPr>
+          <p:cNvPr id="6" name="Imagem 5">
+            <a:extLst>
+              <a:ext uri="{FF2B5EF4-FFF2-40B4-BE49-F238E27FC236}">
+                <a16:creationId xmlns:a16="http://schemas.microsoft.com/office/drawing/2014/main" id="{1BE8DEB2-2D65-4970-8F25-C8466DA3EB1F}"/>
+              </a:ext>
+            </a:extLst>
+          </p:cNvPr>
+          <p:cNvPicPr>
+            <a:picLocks noChangeAspect="1"/>
+          </p:cNvPicPr>
+          <p:nvPr/>
+        </p:nvPicPr>
+        <p:blipFill>
+          <a:blip r:embed="rId2"/>
+          <a:stretch>
+            <a:fillRect/>
+          </a:stretch>
+        </p:blipFill>
+        <p:spPr>
+          <a:xfrm>
+            <a:off x="1097280" y="3707224"/>
+            <a:ext cx="7766634" cy="1923512"/>
+          </a:xfrm>
+          <a:prstGeom prst="rect">
+            <a:avLst/>
+          </a:prstGeom>
+        </p:spPr>
+      </p:pic>
+      <p:pic>
+        <p:nvPicPr>
+          <p:cNvPr id="7" name="Imagem 6">
+            <a:extLst>
+              <a:ext uri="{FF2B5EF4-FFF2-40B4-BE49-F238E27FC236}">
+                <a16:creationId xmlns:a16="http://schemas.microsoft.com/office/drawing/2014/main" id="{4FA0F3A9-A981-46B6-9660-C6BBC9204B43}"/>
+              </a:ext>
+            </a:extLst>
+          </p:cNvPr>
+          <p:cNvPicPr>
+            <a:picLocks noChangeAspect="1"/>
+          </p:cNvPicPr>
+          <p:nvPr/>
+        </p:nvPicPr>
+        <p:blipFill>
+          <a:blip r:embed="rId3"/>
+          <a:stretch>
+            <a:fillRect/>
+          </a:stretch>
+        </p:blipFill>
+        <p:spPr>
+          <a:xfrm>
+            <a:off x="4887742" y="5389374"/>
+            <a:ext cx="5813210" cy="816670"/>
+          </a:xfrm>
+          <a:prstGeom prst="rect">
+            <a:avLst/>
+          </a:prstGeom>
+        </p:spPr>
+      </p:pic>
+    </p:spTree>
+    <p:extLst>
+      <p:ext uri="{BB962C8B-B14F-4D97-AF65-F5344CB8AC3E}">
+        <p14:creationId xmlns:p14="http://schemas.microsoft.com/office/powerpoint/2010/main" val="2097044701"/>
+      </p:ext>
+    </p:extLst>
+  </p:cSld>
+  <p:clrMapOvr>
+    <a:masterClrMapping/>
+  </p:clrMapOvr>
+</p:sld>
+</file>
+
+<file path=ppt/slides/slide21.xml><?xml version="1.0" encoding="utf-8"?>
+<p:sld xmlns:a="http://schemas.openxmlformats.org/drawingml/2006/main" xmlns:r="http://schemas.openxmlformats.org/officeDocument/2006/relationships" xmlns:p="http://schemas.openxmlformats.org/presentationml/2006/main">
+  <p:cSld>
+    <p:spTree>
+      <p:nvGrpSpPr>
+        <p:cNvPr id="1" name=""/>
+        <p:cNvGrpSpPr/>
+        <p:nvPr/>
+      </p:nvGrpSpPr>
+      <p:grpSpPr>
+        <a:xfrm>
+          <a:off x="0" y="0"/>
+          <a:ext cx="0" cy="0"/>
+          <a:chOff x="0" y="0"/>
+          <a:chExt cx="0" cy="0"/>
+        </a:xfrm>
+      </p:grpSpPr>
+      <p:sp>
+        <p:nvSpPr>
+          <p:cNvPr id="2" name="Título 1">
+            <a:extLst>
+              <a:ext uri="{FF2B5EF4-FFF2-40B4-BE49-F238E27FC236}">
+                <a16:creationId xmlns:a16="http://schemas.microsoft.com/office/drawing/2014/main" id="{F3A42822-2945-4B96-AEA8-37C6122E6879}"/>
+              </a:ext>
+            </a:extLst>
+          </p:cNvPr>
+          <p:cNvSpPr>
+            <a:spLocks noGrp="1"/>
+          </p:cNvSpPr>
+          <p:nvPr>
+            <p:ph type="title"/>
+          </p:nvPr>
+        </p:nvSpPr>
+        <p:spPr/>
+        <p:txBody>
+          <a:bodyPr/>
+          <a:lstStyle/>
+          <a:p>
+            <a:r>
+              <a:rPr lang="en-GB" b="1" dirty="0"/>
+              <a:t>Exercise: Conditional Statements</a:t>
+            </a:r>
+          </a:p>
+        </p:txBody>
+      </p:sp>
+      <p:sp>
+        <p:nvSpPr>
+          <p:cNvPr id="3" name="Espaço Reservado para Conteúdo 2">
+            <a:extLst>
+              <a:ext uri="{FF2B5EF4-FFF2-40B4-BE49-F238E27FC236}">
+                <a16:creationId xmlns:a16="http://schemas.microsoft.com/office/drawing/2014/main" id="{047FEFAB-8844-4F14-A86B-365076106092}"/>
+              </a:ext>
+            </a:extLst>
+          </p:cNvPr>
+          <p:cNvSpPr>
+            <a:spLocks noGrp="1"/>
+          </p:cNvSpPr>
+          <p:nvPr>
+            <p:ph idx="1"/>
+          </p:nvPr>
+        </p:nvSpPr>
+        <p:spPr/>
+        <p:txBody>
+          <a:bodyPr/>
+          <a:lstStyle/>
+          <a:p>
+            <a:pPr lvl="1"/>
+            <a:r>
+              <a:rPr lang="en-GB" dirty="0"/>
+              <a:t>Write a program that checks whether a number is positive, negative or zero.</a:t>
+            </a:r>
+          </a:p>
+          <a:p>
+            <a:pPr lvl="1"/>
+            <a:r>
+              <a:rPr lang="en-GB" dirty="0"/>
+              <a:t>Use an if/else block to implement the logic.</a:t>
+            </a:r>
+          </a:p>
+          <a:p>
+            <a:pPr lvl="1"/>
+            <a:r>
+              <a:rPr lang="pt-BR" dirty="0"/>
+              <a:t>C</a:t>
+            </a:r>
+            <a:r>
+              <a:rPr lang="en-GB" dirty="0" err="1"/>
+              <a:t>reate</a:t>
+            </a:r>
+            <a:r>
+              <a:rPr lang="en-GB" dirty="0"/>
+              <a:t> this logic inside a function that</a:t>
+            </a:r>
+          </a:p>
+          <a:p>
+            <a:pPr lvl="2"/>
+            <a:r>
+              <a:rPr lang="pt-BR" dirty="0"/>
+              <a:t>R</a:t>
+            </a:r>
+            <a:r>
+              <a:rPr lang="en-GB" dirty="0" err="1"/>
+              <a:t>eceive</a:t>
+            </a:r>
+            <a:r>
+              <a:rPr lang="en-GB" dirty="0"/>
+              <a:t> the number as a parameter</a:t>
+            </a:r>
+          </a:p>
+          <a:p>
+            <a:pPr lvl="2"/>
+            <a:r>
+              <a:rPr lang="pt-BR" dirty="0"/>
+              <a:t>P</a:t>
+            </a:r>
+            <a:r>
+              <a:rPr lang="en-GB" dirty="0" err="1"/>
+              <a:t>rint</a:t>
+            </a:r>
+            <a:r>
+              <a:rPr lang="en-GB" dirty="0"/>
+              <a:t>, in the end, the number and if it is positive, negative or zero</a:t>
+            </a:r>
+          </a:p>
+        </p:txBody>
+      </p:sp>
+      <p:pic>
+        <p:nvPicPr>
+          <p:cNvPr id="5" name="Imagem 4">
+            <a:extLst>
+              <a:ext uri="{FF2B5EF4-FFF2-40B4-BE49-F238E27FC236}">
+                <a16:creationId xmlns:a16="http://schemas.microsoft.com/office/drawing/2014/main" id="{B21051BC-48FE-4484-A8CE-9C366F35B36B}"/>
+              </a:ext>
+            </a:extLst>
+          </p:cNvPr>
+          <p:cNvPicPr>
+            <a:picLocks noChangeAspect="1"/>
+          </p:cNvPicPr>
+          <p:nvPr/>
+        </p:nvPicPr>
+        <p:blipFill>
+          <a:blip r:embed="rId2"/>
+          <a:stretch>
+            <a:fillRect/>
+          </a:stretch>
+        </p:blipFill>
+        <p:spPr>
+          <a:xfrm>
+            <a:off x="1232200" y="3543686"/>
+            <a:ext cx="4257675" cy="2143125"/>
+          </a:xfrm>
+          <a:prstGeom prst="rect">
+            <a:avLst/>
+          </a:prstGeom>
+        </p:spPr>
+      </p:pic>
+      <p:pic>
+        <p:nvPicPr>
+          <p:cNvPr id="8" name="Imagem 7">
+            <a:extLst>
+              <a:ext uri="{FF2B5EF4-FFF2-40B4-BE49-F238E27FC236}">
+                <a16:creationId xmlns:a16="http://schemas.microsoft.com/office/drawing/2014/main" id="{362066DB-5495-42E4-B9B7-8E689597FCC1}"/>
+              </a:ext>
+            </a:extLst>
+          </p:cNvPr>
+          <p:cNvPicPr>
+            <a:picLocks noChangeAspect="1"/>
+          </p:cNvPicPr>
+          <p:nvPr/>
+        </p:nvPicPr>
+        <p:blipFill>
+          <a:blip r:embed="rId3"/>
+          <a:stretch>
+            <a:fillRect/>
+          </a:stretch>
+        </p:blipFill>
+        <p:spPr>
+          <a:xfrm>
+            <a:off x="5899321" y="3543686"/>
+            <a:ext cx="4495800" cy="2295525"/>
+          </a:xfrm>
+          <a:prstGeom prst="rect">
+            <a:avLst/>
+          </a:prstGeom>
+        </p:spPr>
+      </p:pic>
+    </p:spTree>
+    <p:extLst>
+      <p:ext uri="{BB962C8B-B14F-4D97-AF65-F5344CB8AC3E}">
+        <p14:creationId xmlns:p14="http://schemas.microsoft.com/office/powerpoint/2010/main" val="741498529"/>
+      </p:ext>
+    </p:extLst>
+  </p:cSld>
+  <p:clrMapOvr>
+    <a:masterClrMapping/>
+  </p:clrMapOvr>
+</p:sld>
+</file>
+
+<file path=ppt/slides/slide22.xml><?xml version="1.0" encoding="utf-8"?>
+<p:sld xmlns:a="http://schemas.openxmlformats.org/drawingml/2006/main" xmlns:r="http://schemas.openxmlformats.org/officeDocument/2006/relationships" xmlns:p="http://schemas.openxmlformats.org/presentationml/2006/main">
+  <p:cSld>
+    <p:spTree>
+      <p:nvGrpSpPr>
+        <p:cNvPr id="1" name=""/>
+        <p:cNvGrpSpPr/>
+        <p:nvPr/>
+      </p:nvGrpSpPr>
+      <p:grpSpPr>
+        <a:xfrm>
+          <a:off x="0" y="0"/>
+          <a:ext cx="0" cy="0"/>
+          <a:chOff x="0" y="0"/>
+          <a:chExt cx="0" cy="0"/>
+        </a:xfrm>
+      </p:grpSpPr>
+      <p:sp>
+        <p:nvSpPr>
+          <p:cNvPr id="2" name="Título 1">
+            <a:extLst>
+              <a:ext uri="{FF2B5EF4-FFF2-40B4-BE49-F238E27FC236}">
+                <a16:creationId xmlns:a16="http://schemas.microsoft.com/office/drawing/2014/main" id="{10E35AE6-15C5-41C2-8B39-6A4A13C649D2}"/>
+              </a:ext>
+            </a:extLst>
+          </p:cNvPr>
+          <p:cNvSpPr>
+            <a:spLocks noGrp="1"/>
+          </p:cNvSpPr>
+          <p:nvPr>
+            <p:ph type="title"/>
+          </p:nvPr>
+        </p:nvSpPr>
+        <p:spPr/>
+        <p:txBody>
+          <a:bodyPr/>
+          <a:lstStyle/>
+          <a:p>
+            <a:r>
+              <a:rPr lang="pt-BR" b="1" dirty="0" err="1"/>
+              <a:t>Exercise</a:t>
+            </a:r>
+            <a:r>
+              <a:rPr lang="pt-BR" b="1" dirty="0"/>
+              <a:t>: Loops</a:t>
+            </a:r>
+            <a:endParaRPr lang="en-GB" b="1" dirty="0"/>
+          </a:p>
+        </p:txBody>
+      </p:sp>
+      <p:sp>
+        <p:nvSpPr>
+          <p:cNvPr id="3" name="Espaço Reservado para Conteúdo 2">
+            <a:extLst>
+              <a:ext uri="{FF2B5EF4-FFF2-40B4-BE49-F238E27FC236}">
+                <a16:creationId xmlns:a16="http://schemas.microsoft.com/office/drawing/2014/main" id="{8BE93B06-4A42-4043-9670-57BF90559A8E}"/>
+              </a:ext>
+            </a:extLst>
+          </p:cNvPr>
+          <p:cNvSpPr>
+            <a:spLocks noGrp="1"/>
+          </p:cNvSpPr>
+          <p:nvPr>
+            <p:ph idx="1"/>
+          </p:nvPr>
+        </p:nvSpPr>
+        <p:spPr/>
+        <p:txBody>
+          <a:bodyPr/>
+          <a:lstStyle/>
+          <a:p>
+            <a:r>
+              <a:rPr lang="en-GB" dirty="0"/>
+              <a:t>Use a for loop to print all even numbers from 1 to 20.</a:t>
+            </a:r>
+          </a:p>
+          <a:p>
+            <a:r>
+              <a:rPr lang="pt-BR" dirty="0" err="1"/>
+              <a:t>After</a:t>
+            </a:r>
+            <a:r>
+              <a:rPr lang="pt-BR" dirty="0"/>
+              <a:t>:</a:t>
+            </a:r>
+            <a:endParaRPr lang="en-GB" dirty="0"/>
+          </a:p>
+          <a:p>
+            <a:pPr lvl="1"/>
+            <a:r>
+              <a:rPr lang="en-GB" dirty="0"/>
+              <a:t>Modify the program to also calculate the sum and the average of these numbers.</a:t>
+            </a:r>
+          </a:p>
+          <a:p>
+            <a:pPr lvl="1"/>
+            <a:endParaRPr lang="pt-BR" dirty="0"/>
+          </a:p>
+          <a:p>
+            <a:pPr lvl="1"/>
+            <a:endParaRPr lang="en-GB" dirty="0"/>
+          </a:p>
+        </p:txBody>
+      </p:sp>
+      <p:pic>
+        <p:nvPicPr>
+          <p:cNvPr id="5" name="Imagem 4">
+            <a:extLst>
+              <a:ext uri="{FF2B5EF4-FFF2-40B4-BE49-F238E27FC236}">
+                <a16:creationId xmlns:a16="http://schemas.microsoft.com/office/drawing/2014/main" id="{6B5DBB56-D6FA-485D-B235-629B57115842}"/>
+              </a:ext>
+            </a:extLst>
+          </p:cNvPr>
+          <p:cNvPicPr>
+            <a:picLocks noChangeAspect="1"/>
+          </p:cNvPicPr>
+          <p:nvPr/>
+        </p:nvPicPr>
+        <p:blipFill>
+          <a:blip r:embed="rId2"/>
+          <a:stretch>
+            <a:fillRect/>
+          </a:stretch>
+        </p:blipFill>
+        <p:spPr>
+          <a:xfrm>
+            <a:off x="1097280" y="3108625"/>
+            <a:ext cx="4781550" cy="1266825"/>
+          </a:xfrm>
+          <a:prstGeom prst="rect">
+            <a:avLst/>
+          </a:prstGeom>
+        </p:spPr>
+      </p:pic>
+      <p:pic>
+        <p:nvPicPr>
+          <p:cNvPr id="7" name="Imagem 6">
+            <a:extLst>
+              <a:ext uri="{FF2B5EF4-FFF2-40B4-BE49-F238E27FC236}">
+                <a16:creationId xmlns:a16="http://schemas.microsoft.com/office/drawing/2014/main" id="{E4C2D060-EEEE-4B00-BCD8-7FFAD1C462CE}"/>
+              </a:ext>
+            </a:extLst>
+          </p:cNvPr>
+          <p:cNvPicPr>
+            <a:picLocks noChangeAspect="1"/>
+          </p:cNvPicPr>
+          <p:nvPr/>
+        </p:nvPicPr>
+        <p:blipFill>
+          <a:blip r:embed="rId3"/>
+          <a:stretch>
+            <a:fillRect/>
+          </a:stretch>
+        </p:blipFill>
+        <p:spPr>
+          <a:xfrm>
+            <a:off x="6393180" y="3742037"/>
+            <a:ext cx="4248150" cy="1800225"/>
+          </a:xfrm>
+          <a:prstGeom prst="rect">
+            <a:avLst/>
+          </a:prstGeom>
+        </p:spPr>
+      </p:pic>
+    </p:spTree>
+    <p:extLst>
+      <p:ext uri="{BB962C8B-B14F-4D97-AF65-F5344CB8AC3E}">
+        <p14:creationId xmlns:p14="http://schemas.microsoft.com/office/powerpoint/2010/main" val="3313445210"/>
+      </p:ext>
+    </p:extLst>
+  </p:cSld>
+  <p:clrMapOvr>
+    <a:masterClrMapping/>
+  </p:clrMapOvr>
+</p:sld>
+</file>
+
+<file path=ppt/slides/slide23.xml><?xml version="1.0" encoding="utf-8"?>
+<p:sld xmlns:a="http://schemas.openxmlformats.org/drawingml/2006/main" xmlns:r="http://schemas.openxmlformats.org/officeDocument/2006/relationships" xmlns:p="http://schemas.openxmlformats.org/presentationml/2006/main">
+  <p:cSld>
+    <p:spTree>
+      <p:nvGrpSpPr>
+        <p:cNvPr id="1" name=""/>
+        <p:cNvGrpSpPr/>
+        <p:nvPr/>
+      </p:nvGrpSpPr>
+      <p:grpSpPr>
+        <a:xfrm>
+          <a:off x="0" y="0"/>
+          <a:ext cx="0" cy="0"/>
+          <a:chOff x="0" y="0"/>
+          <a:chExt cx="0" cy="0"/>
+        </a:xfrm>
+      </p:grpSpPr>
+      <p:sp>
+        <p:nvSpPr>
+          <p:cNvPr id="2" name="Título 1">
+            <a:extLst>
+              <a:ext uri="{FF2B5EF4-FFF2-40B4-BE49-F238E27FC236}">
+                <a16:creationId xmlns:a16="http://schemas.microsoft.com/office/drawing/2014/main" id="{1EB0A0CB-2ABB-4451-BCE4-CDDD4A57C599}"/>
+              </a:ext>
+            </a:extLst>
+          </p:cNvPr>
+          <p:cNvSpPr>
+            <a:spLocks noGrp="1"/>
+          </p:cNvSpPr>
+          <p:nvPr>
+            <p:ph type="title"/>
+          </p:nvPr>
+        </p:nvSpPr>
+        <p:spPr/>
+        <p:txBody>
+          <a:bodyPr/>
+          <a:lstStyle/>
+          <a:p>
+            <a:r>
+              <a:rPr lang="pt-BR" b="1" dirty="0" err="1"/>
+              <a:t>Exercise</a:t>
+            </a:r>
+            <a:r>
+              <a:rPr lang="pt-BR" b="1" dirty="0"/>
+              <a:t>: </a:t>
+            </a:r>
+            <a:r>
+              <a:rPr lang="en-GB" b="1" dirty="0"/>
+              <a:t>Collections and Functions</a:t>
+            </a:r>
+          </a:p>
+        </p:txBody>
+      </p:sp>
+      <p:sp>
+        <p:nvSpPr>
+          <p:cNvPr id="3" name="Espaço Reservado para Conteúdo 2">
+            <a:extLst>
+              <a:ext uri="{FF2B5EF4-FFF2-40B4-BE49-F238E27FC236}">
+                <a16:creationId xmlns:a16="http://schemas.microsoft.com/office/drawing/2014/main" id="{422F18D7-EBFA-4917-9FF7-4755652B30C3}"/>
+              </a:ext>
+            </a:extLst>
+          </p:cNvPr>
+          <p:cNvSpPr>
+            <a:spLocks noGrp="1"/>
+          </p:cNvSpPr>
+          <p:nvPr>
+            <p:ph idx="1"/>
+          </p:nvPr>
+        </p:nvSpPr>
+        <p:spPr>
+          <a:xfrm>
+            <a:off x="1154945" y="1845734"/>
+            <a:ext cx="10058400" cy="4023360"/>
+          </a:xfrm>
+        </p:spPr>
+        <p:txBody>
+          <a:bodyPr/>
+          <a:lstStyle/>
+          <a:p>
+            <a:r>
+              <a:rPr lang="en-GB" dirty="0"/>
+              <a:t>Create a list of integers from 1 to 10.</a:t>
+            </a:r>
+          </a:p>
+          <a:p>
+            <a:r>
+              <a:rPr lang="en-GB" dirty="0"/>
+              <a:t>Use the following functions:</a:t>
+            </a:r>
+          </a:p>
+          <a:p>
+            <a:pPr lvl="1"/>
+            <a:r>
+              <a:rPr lang="en-GB" dirty="0"/>
+              <a:t>map: Multiply each number by 3.</a:t>
+            </a:r>
+          </a:p>
+          <a:p>
+            <a:pPr lvl="1"/>
+            <a:r>
+              <a:rPr lang="en-GB" dirty="0"/>
+              <a:t>filter: Keep only odd numbers.</a:t>
+            </a:r>
+          </a:p>
+          <a:p>
+            <a:pPr lvl="1"/>
+            <a:r>
+              <a:rPr lang="en-GB" dirty="0"/>
+              <a:t>reduce: Find the sum of the list.</a:t>
+            </a:r>
+          </a:p>
+        </p:txBody>
+      </p:sp>
+      <p:sp>
+        <p:nvSpPr>
+          <p:cNvPr id="6" name="Retângulo 5">
+            <a:extLst>
+              <a:ext uri="{FF2B5EF4-FFF2-40B4-BE49-F238E27FC236}">
+                <a16:creationId xmlns:a16="http://schemas.microsoft.com/office/drawing/2014/main" id="{41D7EE1B-A9B6-4286-896A-AF77F4A419C5}"/>
+              </a:ext>
+            </a:extLst>
+          </p:cNvPr>
+          <p:cNvSpPr/>
+          <p:nvPr/>
+        </p:nvSpPr>
+        <p:spPr>
+          <a:xfrm>
+            <a:off x="5651157" y="1845734"/>
+            <a:ext cx="6030097" cy="954107"/>
+          </a:xfrm>
+          <a:prstGeom prst="rect">
+            <a:avLst/>
+          </a:prstGeom>
+        </p:spPr>
+        <p:txBody>
+          <a:bodyPr wrap="square">
+            <a:spAutoFit/>
+          </a:bodyPr>
+          <a:lstStyle/>
+          <a:p>
+            <a:r>
+              <a:rPr lang="en-GB" sz="1400" i="1" dirty="0"/>
+              <a:t>In Scala, the underscore _ is a powerful and versatile symbol used in several contexts, each with its specific meaning.</a:t>
+            </a:r>
+          </a:p>
+          <a:p>
+            <a:endParaRPr lang="pt-BR" sz="1400" i="1" dirty="0"/>
+          </a:p>
+          <a:p>
+            <a:r>
+              <a:rPr lang="pt-BR" sz="1400" i="1" dirty="0"/>
+              <a:t>F</a:t>
+            </a:r>
+            <a:r>
+              <a:rPr lang="en-GB" sz="1400" i="1" dirty="0"/>
+              <a:t>or this case, it is used as a placeholder for a parameter:</a:t>
+            </a:r>
+          </a:p>
+        </p:txBody>
+      </p:sp>
+      <p:pic>
+        <p:nvPicPr>
+          <p:cNvPr id="7" name="Imagem 6">
+            <a:extLst>
+              <a:ext uri="{FF2B5EF4-FFF2-40B4-BE49-F238E27FC236}">
+                <a16:creationId xmlns:a16="http://schemas.microsoft.com/office/drawing/2014/main" id="{05DC86D1-691A-407D-A6D6-68FCA31C934F}"/>
+              </a:ext>
+            </a:extLst>
+          </p:cNvPr>
+          <p:cNvPicPr>
+            <a:picLocks noChangeAspect="1"/>
+          </p:cNvPicPr>
+          <p:nvPr/>
+        </p:nvPicPr>
+        <p:blipFill>
+          <a:blip r:embed="rId2"/>
+          <a:stretch>
+            <a:fillRect/>
+          </a:stretch>
+        </p:blipFill>
+        <p:spPr>
+          <a:xfrm>
+            <a:off x="5601756" y="2987814"/>
+            <a:ext cx="5845544" cy="688965"/>
+          </a:xfrm>
+          <a:prstGeom prst="rect">
+            <a:avLst/>
+          </a:prstGeom>
+        </p:spPr>
+      </p:pic>
+      <p:pic>
+        <p:nvPicPr>
+          <p:cNvPr id="8" name="Imagem 7">
+            <a:extLst>
+              <a:ext uri="{FF2B5EF4-FFF2-40B4-BE49-F238E27FC236}">
+                <a16:creationId xmlns:a16="http://schemas.microsoft.com/office/drawing/2014/main" id="{D158ED85-F96E-4B94-8C67-66C65D102220}"/>
+              </a:ext>
+            </a:extLst>
+          </p:cNvPr>
+          <p:cNvPicPr>
+            <a:picLocks noChangeAspect="1"/>
+          </p:cNvPicPr>
+          <p:nvPr/>
+        </p:nvPicPr>
+        <p:blipFill>
+          <a:blip r:embed="rId3"/>
+          <a:stretch>
+            <a:fillRect/>
+          </a:stretch>
+        </p:blipFill>
+        <p:spPr>
+          <a:xfrm>
+            <a:off x="1498127" y="4052226"/>
+            <a:ext cx="5076825" cy="1771650"/>
+          </a:xfrm>
+          <a:prstGeom prst="rect">
+            <a:avLst/>
+          </a:prstGeom>
+        </p:spPr>
+      </p:pic>
+    </p:spTree>
+    <p:extLst>
+      <p:ext uri="{BB962C8B-B14F-4D97-AF65-F5344CB8AC3E}">
+        <p14:creationId xmlns:p14="http://schemas.microsoft.com/office/powerpoint/2010/main" val="855917331"/>
+      </p:ext>
+    </p:extLst>
+  </p:cSld>
+  <p:clrMapOvr>
+    <a:masterClrMapping/>
+  </p:clrMapOvr>
+</p:sld>
+</file>
+
+<file path=ppt/slides/slide24.xml><?xml version="1.0" encoding="utf-8"?>
+<p:sld xmlns:a="http://schemas.openxmlformats.org/drawingml/2006/main" xmlns:r="http://schemas.openxmlformats.org/officeDocument/2006/relationships" xmlns:p="http://schemas.openxmlformats.org/presentationml/2006/main">
+  <p:cSld>
+    <p:spTree>
+      <p:nvGrpSpPr>
+        <p:cNvPr id="1" name=""/>
+        <p:cNvGrpSpPr/>
+        <p:nvPr/>
+      </p:nvGrpSpPr>
+      <p:grpSpPr>
+        <a:xfrm>
+          <a:off x="0" y="0"/>
+          <a:ext cx="0" cy="0"/>
+          <a:chOff x="0" y="0"/>
+          <a:chExt cx="0" cy="0"/>
+        </a:xfrm>
+      </p:grpSpPr>
+      <p:sp>
+        <p:nvSpPr>
+          <p:cNvPr id="2" name="Título 1">
+            <a:extLst>
+              <a:ext uri="{FF2B5EF4-FFF2-40B4-BE49-F238E27FC236}">
                 <a16:creationId xmlns:a16="http://schemas.microsoft.com/office/drawing/2014/main" id="{0321D2A5-98C8-42EF-9C69-27850FF82087}"/>
               </a:ext>
             </a:extLst>
@@ -5620,7 +6551,7 @@
     </p:spTree>
     <p:extLst>
       <p:ext uri="{BB962C8B-B14F-4D97-AF65-F5344CB8AC3E}">
-        <p14:creationId xmlns:p14="http://schemas.microsoft.com/office/powerpoint/2010/main" val="3924595971"/>
+        <p14:creationId xmlns:p14="http://schemas.microsoft.com/office/powerpoint/2010/main" val="1141082576"/>
       </p:ext>
     </p:extLst>
   </p:cSld>
